--- a/Midterm.pptx
+++ b/Midterm.pptx
@@ -115,6 +115,11 @@
       </a:defRPr>
     </a:lvl9pPr>
   </p:defaultTextStyle>
+  <p:extLst>
+    <p:ext uri="{EFAFB233-063F-42B5-8137-9DF3F51BA10A}">
+      <p15:sldGuideLst xmlns:p15="http://schemas.microsoft.com/office/powerpoint/2012/main"/>
+    </p:ext>
+  </p:extLst>
 </p:presentation>
 </file>
 
@@ -218,6 +223,62 @@
           <inkml:channelProperty channel="F" name="resolution" value="0" units="1/dev"/>
         </inkml:channelProperties>
       </inkml:inkSource>
+      <inkml:timestamp xml:id="ts0" timeString="2025-03-11T20:23:34.291"/>
+    </inkml:context>
+    <inkml:brush xml:id="br0">
+      <inkml:brushProperty name="width" value="0.035" units="cm"/>
+      <inkml:brushProperty name="height" value="0.035" units="cm"/>
+      <inkml:brushProperty name="color" value="#FFC114"/>
+    </inkml:brush>
+  </inkml:definitions>
+  <inkml:trace contextRef="#ctx0" brushRef="#br0">933 0 24575,'-16'0'0,"0"0"0,5 0 0,-1 0 0,1 0 0,-2 0 0,1 0 0,-8 0 0,-2 0 0,-7 0 0,7 0 0,2 0 0,8 0 0,-8 0 0,6 0 0,-13 0 0,5 0 0,-7 0 0,-1 0 0,1 0 0,0 0 0,0 0 0,7 0 0,-6 7 0,14-6 0,-13 6 0,13-7 0,-14 6 0,14-4 0,-13 11 0,5-12 0,0 6 0,-5-1 0,13-4 0,-14 4 0,14-6 0,-13 7 0,12-6 0,-5 6 0,8-7 0,-8 6 0,1 1 0,-3 1 0,5 2 0,5-9 0,1 4 0,4 0 0,2 0 0,5 7 0,0-1 0,0 9 0,0 23 0,0 1 0,0 18 0,0 1 0,0-9 0,0 8 0,7-21 0,-6-2 0,11-17 0,-5-3 0,5-6 0,0-1 0,1-6 0,-1 5 0,7-9 0,3 9 0,7-9 0,10 5 0,-8-1 0,18-4 0,-18 4 0,8 0 0,-10-4 0,10 4 0,-8-6 0,8 0 0,0 0 0,-8 0 0,0 0 0,-3 0 0,3 0 0,0 0 0,8 0 0,-10 0 0,0 0 0,0 0 0,10 0 0,-8 0 0,8-6 0,-10 4 0,0-4 0,-7 0 0,5 5 0,-5-5 0,7 0 0,0 4 0,-8-10 0,7 11 0,-7-11 0,8 10 0,0-11 0,0 5 0,0-6 0,-7 5 0,5-4 0,-5 5 0,-1-5 0,7-2 0,-13-5 0,5 5 0,-7-5 0,-1 13 0,0-4 0,-5 4 0,-2-4 0,-5-1 0,0 1 0,0-1 0,0 0 0,0-1 0,0 1 0,0 0 0,-4 1 0,-3 5 0,-5-4 0,-7 8 0,-3-10 0,-7 4 0,-1-7 0,1 1 0,0-1 0,7 2 0,2 5 0,8-3 0,0 9 0,0-8 0,0 9 0,0-9 0,-8 2 0,6 1 0,-13-6 0,12 6 0,-12-1 0,13-3 0,-6 9 0,8-9 0,0 5 0,0-1 0,2 2 0,4 0 0,-4 3 0,4-3 0,-6 5 0,6 0 0,1 0 0</inkml:trace>
+</inkml:ink>
+</file>
+
+<file path=ppt/ink/ink5.xml><?xml version="1.0" encoding="utf-8"?>
+<inkml:ink xmlns:inkml="http://www.w3.org/2003/InkML">
+  <inkml:definitions>
+    <inkml:context xml:id="ctx0">
+      <inkml:inkSource xml:id="inkSrc0">
+        <inkml:traceFormat>
+          <inkml:channel name="X" type="integer" min="-2.14748E9" max="2.14748E9" units="cm"/>
+          <inkml:channel name="Y" type="integer" min="-2.14748E9" max="2.14748E9" units="cm"/>
+          <inkml:channel name="F" type="integer" max="32767" units="dev"/>
+        </inkml:traceFormat>
+        <inkml:channelProperties>
+          <inkml:channelProperty channel="X" name="resolution" value="1000" units="1/cm"/>
+          <inkml:channelProperty channel="Y" name="resolution" value="1000" units="1/cm"/>
+          <inkml:channelProperty channel="F" name="resolution" value="0" units="1/dev"/>
+        </inkml:channelProperties>
+      </inkml:inkSource>
+      <inkml:timestamp xml:id="ts0" timeString="2025-03-11T20:24:04.365"/>
+    </inkml:context>
+    <inkml:brush xml:id="br0">
+      <inkml:brushProperty name="width" value="0.035" units="cm"/>
+      <inkml:brushProperty name="height" value="0.035" units="cm"/>
+      <inkml:brushProperty name="color" value="#FFC114"/>
+    </inkml:brush>
+  </inkml:definitions>
+  <inkml:trace contextRef="#ctx0" brushRef="#br0">13 159 24575,'0'11'0,"0"0"-9831,0 1 8341,0 8 4308,0 2-2818,0-1 1719,0 6-1719,0 5 0,0-1 0,0 8 6784,0-10-6784,0 0 0,0 0 0,0 0 0,0 0 0,0 0 0,0 0 0,0 0 0,0-7 0,0 5 0,0-5 0,0-1 0,0 7 0,0-14 0,0 13 0,0-13 0,0 6 0,0-8 0,0 0 0,0 8 0,0-6 0,0 5 0,0 1 0,0-6 0,0 6 0,0-8 0,0 0 0,0 0 0,0 8 0,0-6 0,0 6 0,0-8 0,0 8 0,0-6 0,-6 5 0,5 1 0,-5-6 0,6 6 0,0 0 0,0-6 0,0 13 0,0-6 0,0 1 0,0 5 0,0-13 0,0 13 0,0-13 0,0 14 0,0-14 0,0 13 0,0-13 0,0 13 0,0-5 0,0 7 0,0-8 0,0 7 0,0-7 0,0 1 0,0 5 0,0-13 0,6 6 0,-5-1 0,10-5 0,-4 6 0,6 0 0,-1-6 0,1 6 0,0-8 0,-1 0 0,0 0 0,0 0 0,0 0 0,1 1 0,-1-7 0,0 5 0,0-9 0,0 3 0,0 0 0,1-3 0,-1 9 0,8-10 0,-6 4 0,13 2 0,-13-6 0,6 6 0,-1-7 0,3 6 0,-1-4 0,7 4 0,-7-6 0,8 0 0,-7 0 0,-3 0 0,-6 0 0,6 0 0,-5 0 0,6 0 0,-8 0 0,0 0 0,8 0 0,-6 0 0,7-13 0,-9 5 0,2-12 0,-2 7 0,0 1 0,0 0 0,1-8 0,0 5 0,0-4 0,-6-1 0,4-2 0,-2-7 0,4 7 0,1-5 0,0 5 0,-1 0 0,-5-5 0,3 13 0,-4-14 0,0 14 0,6-13 0,-11 12 0,4-12 0,0 13 0,-5-14 0,4 7 0,-5-1 0,0-5 0,0 5 0,0 0 0,0-5 0,0 5 0,0 0 0,0-5 0,0 5 0,0-7 0,0 7 0,0-5 0,0 5 0,0-7 0,0 0 0,0-1 0,0 1 0,0 0 0,0 0 0,0-1 0,0 1 0,0 0 0,0-10 0,0 7 0,0-16 0,0 16 0,0-7 0,0 10 0,0 0 0,0-10 0,0 15 0,0-13 0,0 15 0,0-7 0,0-1 0,0 1 0,0 0 0,-5 7 0,-3-5 0,1 5 0,-5 0 0,4-5 0,-4 13 0,4-6 0,-4 0 0,5 6 0,-7-6 0,2 7 0,-1 1 0,-6-1 0,4 0 0,-4 0 0,6 0 0,1 1 0,-8 5 0,6-4 0,-6 10 0,7-10 0,-6 9 0,4-3 0,-12 5 0,5 0 0,1 0 0,-7 0 0,14 0 0,-6 0 0,0 0 0,6 0 0,-6 0 0,8 0 0,-8 0 0,6 0 0,-6 0 0,0 0 0,6 5 0,-14 3 0,14-1 0,-13 6 0,12-6 0,-4 6 0,6-1 0,1 1 0,0-1 0,-1 0 0,1 0 0,-1 0 0,1-5 0,0 4 0,0-5 0,0 1 0,1 2 0,1-8 0,4 9 0,1-9 0,5 4 0</inkml:trace>
+</inkml:ink>
+</file>
+
+<file path=ppt/ink/ink6.xml><?xml version="1.0" encoding="utf-8"?>
+<inkml:ink xmlns:inkml="http://www.w3.org/2003/InkML">
+  <inkml:definitions>
+    <inkml:context xml:id="ctx0">
+      <inkml:inkSource xml:id="inkSrc0">
+        <inkml:traceFormat>
+          <inkml:channel name="X" type="integer" min="-2.14748E9" max="2.14748E9" units="cm"/>
+          <inkml:channel name="Y" type="integer" min="-2.14748E9" max="2.14748E9" units="cm"/>
+          <inkml:channel name="F" type="integer" max="32767" units="dev"/>
+        </inkml:traceFormat>
+        <inkml:channelProperties>
+          <inkml:channelProperty channel="X" name="resolution" value="1000" units="1/cm"/>
+          <inkml:channelProperty channel="Y" name="resolution" value="1000" units="1/cm"/>
+          <inkml:channelProperty channel="F" name="resolution" value="0" units="1/dev"/>
+        </inkml:channelProperties>
+      </inkml:inkSource>
       <inkml:timestamp xml:id="ts0" timeString="2025-03-11T04:35:28.360"/>
     </inkml:context>
     <inkml:brush xml:id="br0">
@@ -311,7 +372,7 @@
           <a:p>
             <a:fld id="{BA394A71-F757-7740-AE14-CD8670BCAA33}" type="datetimeFigureOut">
               <a:rPr lang="en-US" smtClean="0"/>
-              <a:t>3/10/25</a:t>
+              <a:t>3/11/25</a:t>
             </a:fld>
             <a:endParaRPr lang="en-US"/>
           </a:p>
@@ -1301,6 +1362,67 @@
           <a:p>
             <a:endParaRPr lang="en-US" dirty="0"/>
           </a:p>
+          <a:p>
+            <a:r>
+              <a:rPr lang="en-US" dirty="0"/>
+              <a:t>• </a:t>
+            </a:r>
+            <a:r>
+              <a:rPr lang="en-US" b="1" dirty="0"/>
+              <a:t>Fossil Fuel Share Coefficient:</a:t>
+            </a:r>
+            <a:r>
+              <a:rPr lang="en-US" dirty="0"/>
+              <a:t> 6.8144</a:t>
+            </a:r>
+          </a:p>
+          <a:p>
+            <a:r>
+              <a:rPr lang="en-US" dirty="0"/>
+              <a:t>• </a:t>
+            </a:r>
+            <a:r>
+              <a:rPr lang="en-US" b="1" dirty="0"/>
+              <a:t>t-statistic:</a:t>
+            </a:r>
+            <a:r>
+              <a:rPr lang="en-US" dirty="0"/>
+              <a:t> 4.0822</a:t>
+            </a:r>
+          </a:p>
+          <a:p>
+            <a:r>
+              <a:rPr lang="en-US" dirty="0"/>
+              <a:t>• </a:t>
+            </a:r>
+            <a:r>
+              <a:rPr lang="en-US" b="1" dirty="0"/>
+              <a:t>p-value:</a:t>
+            </a:r>
+            <a:r>
+              <a:rPr lang="en-US" dirty="0"/>
+              <a:t> 0.0000</a:t>
+            </a:r>
+          </a:p>
+          <a:p>
+            <a:br>
+              <a:rPr lang="en-US" dirty="0"/>
+            </a:br>
+            <a:endParaRPr lang="en-US" dirty="0"/>
+          </a:p>
+          <a:p>
+            <a:r>
+              <a:rPr lang="en-US" dirty="0"/>
+              <a:t>This indicates that, even when GDP is included in the model, fossil fuel share is a statistically significant predictor of energy use (p-value &lt; 0.001). </a:t>
+            </a:r>
+            <a:r>
+              <a:rPr lang="en-US"/>
+              <a:t>In simple terms, it means that differences in fossil fuel share have a significant impact on energy use independent of GDP.</a:t>
+            </a:r>
+          </a:p>
+          <a:p>
+            <a:endParaRPr lang="en-US" dirty="0"/>
+          </a:p>
         </p:txBody>
       </p:sp>
       <p:sp>
@@ -1700,7 +1822,7 @@
           <a:p>
             <a:fld id="{82EDB8D0-98ED-4B86-9D5F-E61ADC70144D}" type="datetimeFigureOut">
               <a:rPr lang="en-US" smtClean="0"/>
-              <a:t>3/10/25</a:t>
+              <a:t>3/11/25</a:t>
             </a:fld>
             <a:endParaRPr lang="en-US" dirty="0"/>
           </a:p>
@@ -2115,7 +2237,7 @@
           <a:p>
             <a:fld id="{82EDB8D0-98ED-4B86-9D5F-E61ADC70144D}" type="datetimeFigureOut">
               <a:rPr lang="en-US" smtClean="0"/>
-              <a:t>3/10/25</a:t>
+              <a:t>3/11/25</a:t>
             </a:fld>
             <a:endParaRPr lang="en-US"/>
           </a:p>
@@ -2607,7 +2729,7 @@
           <a:p>
             <a:fld id="{82EDB8D0-98ED-4B86-9D5F-E61ADC70144D}" type="datetimeFigureOut">
               <a:rPr lang="en-US" smtClean="0"/>
-              <a:t>3/10/25</a:t>
+              <a:t>3/11/25</a:t>
             </a:fld>
             <a:endParaRPr lang="en-US"/>
           </a:p>
@@ -3094,7 +3216,7 @@
           <a:p>
             <a:fld id="{82EDB8D0-98ED-4B86-9D5F-E61ADC70144D}" type="datetimeFigureOut">
               <a:rPr lang="en-US" smtClean="0"/>
-              <a:t>3/10/25</a:t>
+              <a:t>3/11/25</a:t>
             </a:fld>
             <a:endParaRPr lang="en-US" dirty="0"/>
           </a:p>
@@ -3863,7 +3985,7 @@
           <a:p>
             <a:fld id="{82EDB8D0-98ED-4B86-9D5F-E61ADC70144D}" type="datetimeFigureOut">
               <a:rPr lang="en-US" smtClean="0"/>
-              <a:t>3/10/25</a:t>
+              <a:t>3/11/25</a:t>
             </a:fld>
             <a:endParaRPr lang="en-US"/>
           </a:p>
@@ -4345,7 +4467,7 @@
           <a:p>
             <a:fld id="{82EDB8D0-98ED-4B86-9D5F-E61ADC70144D}" type="datetimeFigureOut">
               <a:rPr lang="en-US" smtClean="0"/>
-              <a:t>3/10/25</a:t>
+              <a:t>3/11/25</a:t>
             </a:fld>
             <a:endParaRPr lang="en-US"/>
           </a:p>
@@ -5041,7 +5163,7 @@
           <a:p>
             <a:fld id="{82EDB8D0-98ED-4B86-9D5F-E61ADC70144D}" type="datetimeFigureOut">
               <a:rPr lang="en-US" smtClean="0"/>
-              <a:t>3/10/25</a:t>
+              <a:t>3/11/25</a:t>
             </a:fld>
             <a:endParaRPr lang="en-US"/>
           </a:p>
@@ -5466,7 +5588,7 @@
           <a:p>
             <a:fld id="{82EDB8D0-98ED-4B86-9D5F-E61ADC70144D}" type="datetimeFigureOut">
               <a:rPr lang="en-US" smtClean="0"/>
-              <a:t>3/10/25</a:t>
+              <a:t>3/11/25</a:t>
             </a:fld>
             <a:endParaRPr lang="en-US"/>
           </a:p>
@@ -5863,7 +5985,7 @@
           <a:p>
             <a:fld id="{82EDB8D0-98ED-4B86-9D5F-E61ADC70144D}" type="datetimeFigureOut">
               <a:rPr lang="en-US" smtClean="0"/>
-              <a:t>3/10/25</a:t>
+              <a:t>3/11/25</a:t>
             </a:fld>
             <a:endParaRPr lang="en-US"/>
           </a:p>
@@ -6458,7 +6580,7 @@
           <a:p>
             <a:fld id="{82EDB8D0-98ED-4B86-9D5F-E61ADC70144D}" type="datetimeFigureOut">
               <a:rPr lang="en-US" smtClean="0"/>
-              <a:t>3/10/25</a:t>
+              <a:t>3/11/25</a:t>
             </a:fld>
             <a:endParaRPr lang="en-US"/>
           </a:p>
@@ -7033,7 +7155,7 @@
           <a:p>
             <a:fld id="{82EDB8D0-98ED-4B86-9D5F-E61ADC70144D}" type="datetimeFigureOut">
               <a:rPr lang="en-US" smtClean="0"/>
-              <a:t>3/10/25</a:t>
+              <a:t>3/11/25</a:t>
             </a:fld>
             <a:endParaRPr lang="en-US"/>
           </a:p>
@@ -7560,7 +7682,7 @@
             <a:fld id="{82EDB8D0-98ED-4B86-9D5F-E61ADC70144D}" type="datetimeFigureOut">
               <a:rPr lang="en-US" smtClean="0"/>
               <a:pPr/>
-              <a:t>3/10/25</a:t>
+              <a:t>3/11/25</a:t>
             </a:fld>
             <a:endParaRPr lang="en-US" dirty="0"/>
           </a:p>
@@ -11531,8 +11653,8 @@
           </a:custGeom>
         </p:spPr>
       </p:pic>
-      <mc:AlternateContent xmlns:mc="http://schemas.openxmlformats.org/markup-compatibility/2006">
-        <mc:Choice xmlns:p14="http://schemas.microsoft.com/office/powerpoint/2010/main" Requires="p14">
+      <mc:AlternateContent xmlns:mc="http://schemas.openxmlformats.org/markup-compatibility/2006" xmlns:p14="http://schemas.microsoft.com/office/powerpoint/2010/main">
+        <mc:Choice Requires="p14">
           <p:contentPart p14:bwMode="auto" r:id="rId6">
             <p14:nvContentPartPr>
               <p14:cNvPr id="15" name="Ink 14">
@@ -11551,7 +11673,7 @@
             </p14:xfrm>
           </p:contentPart>
         </mc:Choice>
-        <mc:Fallback>
+        <mc:Fallback xmlns="">
           <p:pic>
             <p:nvPicPr>
               <p:cNvPr id="15" name="Ink 14">
@@ -11582,8 +11704,8 @@
           </p:pic>
         </mc:Fallback>
       </mc:AlternateContent>
-      <mc:AlternateContent xmlns:mc="http://schemas.openxmlformats.org/markup-compatibility/2006">
-        <mc:Choice xmlns:p14="http://schemas.microsoft.com/office/powerpoint/2010/main" Requires="p14">
+      <mc:AlternateContent xmlns:mc="http://schemas.openxmlformats.org/markup-compatibility/2006" xmlns:p14="http://schemas.microsoft.com/office/powerpoint/2010/main">
+        <mc:Choice Requires="p14">
           <p:contentPart p14:bwMode="auto" r:id="rId8">
             <p14:nvContentPartPr>
               <p14:cNvPr id="16" name="Ink 15">
@@ -11602,7 +11724,7 @@
             </p14:xfrm>
           </p:contentPart>
         </mc:Choice>
-        <mc:Fallback>
+        <mc:Fallback xmlns="">
           <p:pic>
             <p:nvPicPr>
               <p:cNvPr id="16" name="Ink 15">
@@ -11633,8 +11755,8 @@
           </p:pic>
         </mc:Fallback>
       </mc:AlternateContent>
-      <mc:AlternateContent xmlns:mc="http://schemas.openxmlformats.org/markup-compatibility/2006">
-        <mc:Choice xmlns:p14="http://schemas.microsoft.com/office/powerpoint/2010/main" Requires="p14">
+      <mc:AlternateContent xmlns:mc="http://schemas.openxmlformats.org/markup-compatibility/2006" xmlns:p14="http://schemas.microsoft.com/office/powerpoint/2010/main">
+        <mc:Choice Requires="p14">
           <p:contentPart p14:bwMode="auto" r:id="rId10">
             <p14:nvContentPartPr>
               <p14:cNvPr id="17" name="Ink 16">
@@ -11653,7 +11775,7 @@
             </p14:xfrm>
           </p:contentPart>
         </mc:Choice>
-        <mc:Fallback>
+        <mc:Fallback xmlns="">
           <p:pic>
             <p:nvPicPr>
               <p:cNvPr id="17" name="Ink 16">
@@ -11676,6 +11798,108 @@
               <a:xfrm>
                 <a:off x="6197600" y="5752560"/>
                 <a:ext cx="498960" cy="257040"/>
+              </a:xfrm>
+              <a:prstGeom prst="rect">
+                <a:avLst/>
+              </a:prstGeom>
+            </p:spPr>
+          </p:pic>
+        </mc:Fallback>
+      </mc:AlternateContent>
+      <mc:AlternateContent xmlns:mc="http://schemas.openxmlformats.org/markup-compatibility/2006">
+        <mc:Choice xmlns:p14="http://schemas.microsoft.com/office/powerpoint/2010/main" Requires="p14">
+          <p:contentPart p14:bwMode="auto" r:id="rId12">
+            <p14:nvContentPartPr>
+              <p14:cNvPr id="4" name="Ink 3">
+                <a:extLst>
+                  <a:ext uri="{FF2B5EF4-FFF2-40B4-BE49-F238E27FC236}">
+                    <a16:creationId xmlns:a16="http://schemas.microsoft.com/office/drawing/2014/main" id="{F9BF7901-E7A8-8240-911D-E6A3F06B0728}"/>
+                  </a:ext>
+                </a:extLst>
+              </p14:cNvPr>
+              <p14:cNvContentPartPr/>
+              <p14:nvPr/>
+            </p14:nvContentPartPr>
+            <p14:xfrm>
+              <a:off x="5035844" y="5868234"/>
+              <a:ext cx="531720" cy="253800"/>
+            </p14:xfrm>
+          </p:contentPart>
+        </mc:Choice>
+        <mc:Fallback>
+          <p:pic>
+            <p:nvPicPr>
+              <p:cNvPr id="4" name="Ink 3">
+                <a:extLst>
+                  <a:ext uri="{FF2B5EF4-FFF2-40B4-BE49-F238E27FC236}">
+                    <a16:creationId xmlns:a16="http://schemas.microsoft.com/office/drawing/2014/main" id="{F9BF7901-E7A8-8240-911D-E6A3F06B0728}"/>
+                  </a:ext>
+                </a:extLst>
+              </p:cNvPr>
+              <p:cNvPicPr/>
+              <p:nvPr/>
+            </p:nvPicPr>
+            <p:blipFill>
+              <a:blip r:embed="rId13"/>
+              <a:stretch>
+                <a:fillRect/>
+              </a:stretch>
+            </p:blipFill>
+            <p:spPr>
+              <a:xfrm>
+                <a:off x="5029724" y="5862114"/>
+                <a:ext cx="543960" cy="266040"/>
+              </a:xfrm>
+              <a:prstGeom prst="rect">
+                <a:avLst/>
+              </a:prstGeom>
+            </p:spPr>
+          </p:pic>
+        </mc:Fallback>
+      </mc:AlternateContent>
+      <mc:AlternateContent xmlns:mc="http://schemas.openxmlformats.org/markup-compatibility/2006">
+        <mc:Choice xmlns:p14="http://schemas.microsoft.com/office/powerpoint/2010/main" Requires="p14">
+          <p:contentPart p14:bwMode="auto" r:id="rId14">
+            <p14:nvContentPartPr>
+              <p14:cNvPr id="5" name="Ink 4">
+                <a:extLst>
+                  <a:ext uri="{FF2B5EF4-FFF2-40B4-BE49-F238E27FC236}">
+                    <a16:creationId xmlns:a16="http://schemas.microsoft.com/office/drawing/2014/main" id="{5886A9FD-E0DB-D69B-AEE1-C8706E63FECC}"/>
+                  </a:ext>
+                </a:extLst>
+              </p14:cNvPr>
+              <p14:cNvContentPartPr/>
+              <p14:nvPr/>
+            </p14:nvContentPartPr>
+            <p14:xfrm>
+              <a:off x="6358844" y="5462874"/>
+              <a:ext cx="321120" cy="687240"/>
+            </p14:xfrm>
+          </p:contentPart>
+        </mc:Choice>
+        <mc:Fallback>
+          <p:pic>
+            <p:nvPicPr>
+              <p:cNvPr id="5" name="Ink 4">
+                <a:extLst>
+                  <a:ext uri="{FF2B5EF4-FFF2-40B4-BE49-F238E27FC236}">
+                    <a16:creationId xmlns:a16="http://schemas.microsoft.com/office/drawing/2014/main" id="{5886A9FD-E0DB-D69B-AEE1-C8706E63FECC}"/>
+                  </a:ext>
+                </a:extLst>
+              </p:cNvPr>
+              <p:cNvPicPr/>
+              <p:nvPr/>
+            </p:nvPicPr>
+            <p:blipFill>
+              <a:blip r:embed="rId15"/>
+              <a:stretch>
+                <a:fillRect/>
+              </a:stretch>
+            </p:blipFill>
+            <p:spPr>
+              <a:xfrm>
+                <a:off x="6352724" y="5456754"/>
+                <a:ext cx="333360" cy="699480"/>
               </a:xfrm>
               <a:prstGeom prst="rect">
                 <a:avLst/>
@@ -12114,8 +12338,8 @@
           </a:p>
         </p:txBody>
       </p:sp>
-      <mc:AlternateContent xmlns:mc="http://schemas.openxmlformats.org/markup-compatibility/2006">
-        <mc:Choice xmlns:p14="http://schemas.microsoft.com/office/powerpoint/2010/main" Requires="p14">
+      <mc:AlternateContent xmlns:mc="http://schemas.openxmlformats.org/markup-compatibility/2006" xmlns:p14="http://schemas.microsoft.com/office/powerpoint/2010/main">
+        <mc:Choice Requires="p14">
           <p:contentPart p14:bwMode="auto" r:id="rId3">
             <p14:nvContentPartPr>
               <p14:cNvPr id="10" name="Ink 9">
@@ -12134,7 +12358,7 @@
             </p14:xfrm>
           </p:contentPart>
         </mc:Choice>
-        <mc:Fallback>
+        <mc:Fallback xmlns="">
           <p:pic>
             <p:nvPicPr>
               <p:cNvPr id="10" name="Ink 9">

--- a/Midterm.pptx
+++ b/Midterm.pptx
@@ -1251,6 +1251,81 @@
               <a:rPr lang="en-US" dirty="0"/>
               <a:t>Overall, these results tell us that while looking across countries (Random Effects) shows clear relationships, the variation over time within individual countries (Fixed Effects) is not well explained by just GDP and fossil fuel share. This indicates that we need to refine our models and likely add other variables, such as CO₂ emissions, to better understand what drives energy use</a:t>
             </a:r>
+          </a:p>
+          <a:p>
+            <a:r>
+              <a:rPr lang="en-US" dirty="0"/>
+              <a:t>• </a:t>
+            </a:r>
+            <a:r>
+              <a:rPr lang="en-US" b="1" dirty="0"/>
+              <a:t>What I Did:</a:t>
+            </a:r>
+            <a:endParaRPr lang="en-US" dirty="0"/>
+          </a:p>
+          <a:p>
+            <a:r>
+              <a:rPr lang="en-US" dirty="0"/>
+              <a:t>I built two types of models:</a:t>
+            </a:r>
+          </a:p>
+          <a:p>
+            <a:r>
+              <a:rPr lang="en-US" dirty="0"/>
+              <a:t>• </a:t>
+            </a:r>
+            <a:r>
+              <a:rPr lang="en-US" b="1" dirty="0"/>
+              <a:t>Fixed Effects Model:</a:t>
+            </a:r>
+            <a:r>
+              <a:rPr lang="en-US" dirty="0"/>
+              <a:t> Looks at how changes within each country over time affect energy use. It removes constant factors (like geography or long-term policies) so we see the effect of variables that change.</a:t>
+            </a:r>
+          </a:p>
+          <a:p>
+            <a:r>
+              <a:rPr lang="en-US" dirty="0"/>
+              <a:t>• </a:t>
+            </a:r>
+            <a:r>
+              <a:rPr lang="en-US" b="1" dirty="0"/>
+              <a:t>Random Effects Model:</a:t>
+            </a:r>
+            <a:r>
+              <a:rPr lang="en-US" dirty="0"/>
+              <a:t> Uses both differences within countries and differences between countries, keeping constant factors in the mix.</a:t>
+            </a:r>
+          </a:p>
+          <a:p>
+            <a:r>
+              <a:rPr lang="en-US" dirty="0"/>
+              <a:t>I then compared these models using a Hausman test to see which one gives more reliable results.</a:t>
+            </a:r>
+          </a:p>
+          <a:p>
+            <a:r>
+              <a:rPr lang="en-US" dirty="0"/>
+              <a:t>• </a:t>
+            </a:r>
+            <a:r>
+              <a:rPr lang="en-US" b="1" dirty="0"/>
+              <a:t>In Simple Terms:</a:t>
+            </a:r>
+            <a:endParaRPr lang="en-US" dirty="0"/>
+          </a:p>
+          <a:p>
+            <a:r>
+              <a:rPr lang="en-US" dirty="0"/>
+              <a:t>The Fixed Effects model tells us how changes inside one country (like changing GDP or fuel share) affect energy use. The Random Effects model looks at differences between countries as well as changes within them. </a:t>
+            </a:r>
+            <a:r>
+              <a:rPr lang="en-US"/>
+              <a:t>The test (Hausman) showed that the unchanging, country-specific factors matter a lot, so the Fixed Effects model is likely better for understanding the changes over time.</a:t>
+            </a:r>
+          </a:p>
+          <a:p>
+            <a:endParaRPr lang="en-US" dirty="0"/>
           </a:p>
           <a:p>
             <a:endParaRPr lang="en-US" dirty="0"/>
@@ -11806,8 +11881,8 @@
           </p:pic>
         </mc:Fallback>
       </mc:AlternateContent>
-      <mc:AlternateContent xmlns:mc="http://schemas.openxmlformats.org/markup-compatibility/2006">
-        <mc:Choice xmlns:p14="http://schemas.microsoft.com/office/powerpoint/2010/main" Requires="p14">
+      <mc:AlternateContent xmlns:mc="http://schemas.openxmlformats.org/markup-compatibility/2006" xmlns:p14="http://schemas.microsoft.com/office/powerpoint/2010/main">
+        <mc:Choice Requires="p14">
           <p:contentPart p14:bwMode="auto" r:id="rId12">
             <p14:nvContentPartPr>
               <p14:cNvPr id="4" name="Ink 3">
@@ -11826,7 +11901,7 @@
             </p14:xfrm>
           </p:contentPart>
         </mc:Choice>
-        <mc:Fallback>
+        <mc:Fallback xmlns="">
           <p:pic>
             <p:nvPicPr>
               <p:cNvPr id="4" name="Ink 3">
@@ -11857,8 +11932,8 @@
           </p:pic>
         </mc:Fallback>
       </mc:AlternateContent>
-      <mc:AlternateContent xmlns:mc="http://schemas.openxmlformats.org/markup-compatibility/2006">
-        <mc:Choice xmlns:p14="http://schemas.microsoft.com/office/powerpoint/2010/main" Requires="p14">
+      <mc:AlternateContent xmlns:mc="http://schemas.openxmlformats.org/markup-compatibility/2006" xmlns:p14="http://schemas.microsoft.com/office/powerpoint/2010/main">
+        <mc:Choice Requires="p14">
           <p:contentPart p14:bwMode="auto" r:id="rId14">
             <p14:nvContentPartPr>
               <p14:cNvPr id="5" name="Ink 4">
@@ -11877,7 +11952,7 @@
             </p14:xfrm>
           </p:contentPart>
         </mc:Choice>
-        <mc:Fallback>
+        <mc:Fallback xmlns="">
           <p:pic>
             <p:nvPicPr>
               <p:cNvPr id="5" name="Ink 4">
